--- a/Economics2/0516経済原論.pptx
+++ b/Economics2/0516経済原論.pptx
@@ -13386,15 +13386,7 @@
                 <a:cs typeface="Times New Roman" pitchFamily="18" charset="0"/>
                 <a:sym typeface="Wingdings" pitchFamily="2" charset="2"/>
               </a:rPr>
-              <a:t>から点Ｄ→傾きが大きい、</a:t>
-            </a:r>
-            <a:r>
-              <a:rPr kumimoji="1" lang="ja-JP" altLang="en-US" sz="2400">
-                <a:latin typeface="Times New Roman" pitchFamily="18" charset="0"/>
-                <a:cs typeface="Times New Roman" pitchFamily="18" charset="0"/>
-                <a:sym typeface="Wingdings" pitchFamily="2" charset="2"/>
-              </a:rPr>
-              <a:t>かなり大きな相対価格変化</a:t>
+              <a:t>から点Ｄ→傾きが大きい、かなり大きな相対価格変化</a:t>
             </a:r>
             <a:endParaRPr kumimoji="1" lang="en-US" altLang="ja-JP" sz="2400" dirty="0">
               <a:latin typeface="Times New Roman" pitchFamily="18" charset="0"/>
@@ -13595,19 +13587,15 @@
                 <a:pPr marL="0" indent="0">
                   <a:buNone/>
                 </a:pPr>
-                <a:endParaRPr lang="en-US" altLang="ja-JP"/>
+                <a:endParaRPr lang="en-US" altLang="ja-JP" dirty="0"/>
               </a:p>
               <a:p>
                 <a:pPr marL="0" indent="0">
                   <a:buNone/>
                 </a:pPr>
                 <a:r>
-                  <a:rPr lang="ja-JP" altLang="en-US"/>
-                  <a:t>例</a:t>
-                </a:r>
-                <a:r>
                   <a:rPr lang="ja-JP" altLang="en-US" dirty="0"/>
-                  <a:t>） </a:t>
+                  <a:t>例） </a:t>
                 </a:r>
                 <a14:m>
                   <m:oMath xmlns:m="http://schemas.openxmlformats.org/officeDocument/2006/math">
